--- a/Slides/WebArchitecture.pptx
+++ b/Slides/WebArchitecture.pptx
@@ -6628,40 +6628,24 @@
       </p:grpSpPr>
       <p:sp>
         <p:nvSpPr>
-          <p:cNvPr id="19" name="Shape 19"/>
-          <p:cNvSpPr txBox="1">
+          <p:cNvPr id="2" name="Text Placeholder 1"/>
+          <p:cNvSpPr>
             <a:spLocks noGrp="1"/>
           </p:cNvSpPr>
           <p:nvPr>
-            <p:ph type="ctrTitle"/>
+            <p:ph type="body" sz="quarter" idx="10"/>
           </p:nvPr>
         </p:nvSpPr>
-        <p:spPr>
-          <a:prstGeom prst="rect">
-            <a:avLst/>
-          </a:prstGeom>
-        </p:spPr>
+        <p:spPr/>
         <p:txBody>
-          <a:bodyPr lIns="30613" tIns="30613" rIns="30613" bIns="30613" anchor="t" anchorCtr="0">
-            <a:noAutofit/>
-          </a:bodyPr>
+          <a:bodyPr/>
           <a:lstStyle/>
           <a:p>
-            <a:pPr>
-              <a:lnSpc>
-                <a:spcPct val="100000"/>
-              </a:lnSpc>
-            </a:pPr>
-            <a:r>
-              <a:rPr lang="en-US">
-                <a:solidFill>
-                  <a:srgbClr val="000000"/>
-                </a:solidFill>
-                <a:ea typeface="Arial"/>
-                <a:sym typeface="Arial"/>
-              </a:rPr>
+            <a:r>
+              <a:rPr lang="en-US" dirty="0" smtClean="0"/>
               <a:t>Web Architecture Overview</a:t>
             </a:r>
+            <a:endParaRPr lang="en-US" dirty="0"/>
           </a:p>
         </p:txBody>
       </p:sp>
